--- a/ansible/slides/assembly.out/01__Intro.pptx
+++ b/ansible/slides/assembly.out/01__Intro.pptx
@@ -2363,7 +2363,7 @@
                   <a:srgbClr val="000000"/>
                 </a:solidFill>
               </a:rPr>
-              <a:t>Copyright © 2023 by Elephant Scale, All Rights Reserved</a:t>
+              <a:t>Copyright © 2024 by Elephant Scale, All Rights Reserved</a:t>
             </a:r>
           </a:p>
         </p:txBody>
@@ -2526,7 +2526,7 @@
                   <a:srgbClr val="000000"/>
                 </a:solidFill>
               </a:rPr>
-              <a:t>Copyright © 2023 by Elephant Scale, All Rights Reserved</a:t>
+              <a:t>Copyright © 2024 by Elephant Scale, All Rights Reserved</a:t>
             </a:r>
           </a:p>
         </p:txBody>
@@ -2632,7 +2632,7 @@
                   <a:srgbClr val="000000"/>
                 </a:solidFill>
               </a:rPr>
-              <a:t>Copyright © 2023 by Elephant Scale, All Rights Reserved</a:t>
+              <a:t>Copyright © 2024 by Elephant Scale, All Rights Reserved</a:t>
             </a:r>
           </a:p>
         </p:txBody>
@@ -2738,7 +2738,7 @@
                   <a:srgbClr val="000000"/>
                 </a:solidFill>
               </a:rPr>
-              <a:t>Copyright © 2023 by Elephant Scale, All Rights Reserved</a:t>
+              <a:t>Copyright © 2024 by Elephant Scale, All Rights Reserved</a:t>
             </a:r>
           </a:p>
         </p:txBody>
@@ -2866,7 +2866,7 @@
                   <a:srgbClr val="000000"/>
                 </a:solidFill>
               </a:rPr>
-              <a:t>Copyright © 2023 by Elephant Scale, All Rights Reserved</a:t>
+              <a:t>Copyright © 2024 by Elephant Scale, All Rights Reserved</a:t>
             </a:r>
           </a:p>
         </p:txBody>
@@ -2959,7 +2959,7 @@
                   <a:srgbClr val="000000"/>
                 </a:solidFill>
               </a:rPr>
-              <a:t>Copyright © 2023 by Elephant Scale, All Rights Reserved</a:t>
+              <a:t>Copyright © 2024 by Elephant Scale, All Rights Reserved</a:t>
             </a:r>
           </a:p>
         </p:txBody>
@@ -3087,7 +3087,7 @@
                   <a:srgbClr val="000000"/>
                 </a:solidFill>
               </a:rPr>
-              <a:t>Copyright © 2023 by Elephant Scale, All Rights Reserved</a:t>
+              <a:t>Copyright © 2024 by Elephant Scale, All Rights Reserved</a:t>
             </a:r>
           </a:p>
         </p:txBody>
@@ -3193,7 +3193,7 @@
                   <a:srgbClr val="000000"/>
                 </a:solidFill>
               </a:rPr>
-              <a:t>Copyright © 2023 by Elephant Scale, All Rights Reserved</a:t>
+              <a:t>Copyright © 2024 by Elephant Scale, All Rights Reserved</a:t>
             </a:r>
           </a:p>
         </p:txBody>
